--- a/paper.pptx
+++ b/paper.pptx
@@ -259,7 +259,7 @@
               <a:pPr>
                 <a:defRPr/>
               </a:pPr>
-              <a:t>2017-01-12 Thursday</a:t>
+              <a:t>2017-02-13 Monday</a:t>
             </a:fld>
             <a:endParaRPr lang="zh-CN" altLang="en-US"/>
           </a:p>
@@ -647,6 +647,96 @@
     <p:extLst>
       <p:ext uri="{BB962C8B-B14F-4D97-AF65-F5344CB8AC3E}">
         <p14:creationId xmlns:p14="http://schemas.microsoft.com/office/powerpoint/2010/main" val="1118262576"/>
+      </p:ext>
+    </p:extLst>
+  </p:cSld>
+  <p:clrMapOvr>
+    <a:masterClrMapping/>
+  </p:clrMapOvr>
+</p:notes>
+</file>
+
+<file path=ppt/notesSlides/notesSlide2.xml><?xml version="1.0" encoding="utf-8"?>
+<p:notes xmlns:a="http://schemas.openxmlformats.org/drawingml/2006/main" xmlns:r="http://schemas.openxmlformats.org/officeDocument/2006/relationships" xmlns:p="http://schemas.openxmlformats.org/presentationml/2006/main">
+  <p:cSld>
+    <p:spTree>
+      <p:nvGrpSpPr>
+        <p:cNvPr id="1" name=""/>
+        <p:cNvGrpSpPr/>
+        <p:nvPr/>
+      </p:nvGrpSpPr>
+      <p:grpSpPr>
+        <a:xfrm>
+          <a:off x="0" y="0"/>
+          <a:ext cx="0" cy="0"/>
+          <a:chOff x="0" y="0"/>
+          <a:chExt cx="0" cy="0"/>
+        </a:xfrm>
+      </p:grpSpPr>
+      <p:sp>
+        <p:nvSpPr>
+          <p:cNvPr id="2" name="幻灯片图像占位符 1"/>
+          <p:cNvSpPr>
+            <a:spLocks noGrp="1" noRot="1" noChangeAspect="1"/>
+          </p:cNvSpPr>
+          <p:nvPr>
+            <p:ph type="sldImg"/>
+          </p:nvPr>
+        </p:nvSpPr>
+        <p:spPr/>
+      </p:sp>
+      <p:sp>
+        <p:nvSpPr>
+          <p:cNvPr id="3" name="备注占位符 2"/>
+          <p:cNvSpPr>
+            <a:spLocks noGrp="1"/>
+          </p:cNvSpPr>
+          <p:nvPr>
+            <p:ph type="body" idx="1"/>
+          </p:nvPr>
+        </p:nvSpPr>
+        <p:spPr/>
+        <p:txBody>
+          <a:bodyPr/>
+          <a:lstStyle/>
+          <a:p>
+            <a:endParaRPr lang="zh-CN" altLang="en-US" dirty="0"/>
+          </a:p>
+        </p:txBody>
+      </p:sp>
+      <p:sp>
+        <p:nvSpPr>
+          <p:cNvPr id="4" name="灯片编号占位符 3"/>
+          <p:cNvSpPr>
+            <a:spLocks noGrp="1"/>
+          </p:cNvSpPr>
+          <p:nvPr>
+            <p:ph type="sldNum" sz="quarter" idx="10"/>
+          </p:nvPr>
+        </p:nvSpPr>
+        <p:spPr/>
+        <p:txBody>
+          <a:bodyPr/>
+          <a:lstStyle/>
+          <a:p>
+            <a:pPr>
+              <a:defRPr/>
+            </a:pPr>
+            <a:fld id="{B932DB9D-E44B-4536-A418-A5F632A384F4}" type="slidenum">
+              <a:rPr lang="zh-CN" altLang="en-US" smtClean="0"/>
+              <a:pPr>
+                <a:defRPr/>
+              </a:pPr>
+              <a:t>8</a:t>
+            </a:fld>
+            <a:endParaRPr lang="zh-CN" altLang="en-US"/>
+          </a:p>
+        </p:txBody>
+      </p:sp>
+    </p:spTree>
+    <p:extLst>
+      <p:ext uri="{BB962C8B-B14F-4D97-AF65-F5344CB8AC3E}">
+        <p14:creationId xmlns:p14="http://schemas.microsoft.com/office/powerpoint/2010/main" val="3295239369"/>
       </p:ext>
     </p:extLst>
   </p:cSld>
@@ -6137,7 +6227,6 @@
               <a:rPr lang="zh-CN" altLang="en-US" sz="1600" dirty="0"/>
               <a:t>多层硅的结构特性</a:t>
             </a:r>
-            <a:endParaRPr lang="zh-CN" altLang="en-US" sz="1600" dirty="0"/>
           </a:p>
         </p:txBody>
       </p:sp>
@@ -9285,7 +9374,7 @@
           <a:graphicData uri="http://schemas.openxmlformats.org/presentationml/2006/ole">
             <mc:AlternateContent xmlns:mc="http://schemas.openxmlformats.org/markup-compatibility/2006">
               <mc:Choice xmlns:v="urn:schemas-microsoft-com:vml" Requires="v">
-                <p:oleObj spid="_x0000_s1026" name="Graph" r:id="rId4" imgW="3920760" imgH="3000960" progId="Origin50.Graph">
+                <p:oleObj spid="_x0000_s1030" name="Graph" r:id="rId4" imgW="3920760" imgH="3000960" progId="Origin50.Graph">
                   <p:embed/>
                 </p:oleObj>
               </mc:Choice>
@@ -9417,7 +9506,7 @@
           <a:graphicData uri="http://schemas.openxmlformats.org/presentationml/2006/ole">
             <mc:AlternateContent xmlns:mc="http://schemas.openxmlformats.org/markup-compatibility/2006">
               <mc:Choice xmlns:v="urn:schemas-microsoft-com:vml" Requires="v">
-                <p:oleObj spid="_x0000_s1027" name="Equation" r:id="rId6" imgW="1104900" imgH="279400" progId="Equation.DSMT4">
+                <p:oleObj spid="_x0000_s1031" name="Equation" r:id="rId6" imgW="1104900" imgH="279400" progId="Equation.DSMT4">
                   <p:embed/>
                 </p:oleObj>
               </mc:Choice>
@@ -9509,7 +9598,6 @@
               <a:rPr lang="zh-CN" altLang="en-US" dirty="0"/>
               <a:t>表面重构对热输运性质的影响</a:t>
             </a:r>
-            <a:endParaRPr lang="zh-CN" altLang="en-US" dirty="0"/>
           </a:p>
         </p:txBody>
       </p:sp>
@@ -9687,10 +9775,10 @@
         </p:nvGrpSpPr>
         <p:grpSpPr>
           <a:xfrm>
-            <a:off x="528446" y="1922207"/>
-            <a:ext cx="7999682" cy="4203950"/>
-            <a:chOff x="0" y="0"/>
-            <a:chExt cx="5543133" cy="2255292"/>
+            <a:off x="539552" y="1828003"/>
+            <a:ext cx="8436042" cy="4220771"/>
+            <a:chOff x="0" y="-9024"/>
+            <a:chExt cx="5845495" cy="2264316"/>
           </a:xfrm>
         </p:grpSpPr>
         <p:grpSp>
@@ -9701,10 +9789,10 @@
           </p:nvGrpSpPr>
           <p:grpSpPr>
             <a:xfrm>
-              <a:off x="225188" y="174008"/>
-              <a:ext cx="5317945" cy="2081284"/>
-              <a:chOff x="0" y="-23884"/>
-              <a:chExt cx="5317945" cy="2081284"/>
+              <a:off x="0" y="174008"/>
+              <a:ext cx="5845495" cy="2081284"/>
+              <a:chOff x="-225188" y="-23884"/>
+              <a:chExt cx="5845495" cy="2081284"/>
             </a:xfrm>
           </p:grpSpPr>
           <p:pic>
@@ -9729,8 +9817,8 @@
             </p:blipFill>
             <p:spPr>
               <a:xfrm>
-                <a:off x="0" y="0"/>
-                <a:ext cx="2599899" cy="2033517"/>
+                <a:off x="-225188" y="0"/>
+                <a:ext cx="3001439" cy="2033517"/>
               </a:xfrm>
               <a:prstGeom prst="rect">
                 <a:avLst/>
@@ -9738,24 +9826,7 @@
               <a:ln>
                 <a:noFill/>
               </a:ln>
-              <a:effectLst>
-                <a:outerShdw blurRad="57785" dist="33020" dir="3180000" algn="ctr">
-                  <a:srgbClr val="000000">
-                    <a:alpha val="30000"/>
-                  </a:srgbClr>
-                </a:outerShdw>
-              </a:effectLst>
-              <a:scene3d>
-                <a:camera prst="orthographicFront">
-                  <a:rot lat="0" lon="0" rev="0"/>
-                </a:camera>
-                <a:lightRig rig="brightRoom" dir="t">
-                  <a:rot lat="0" lon="0" rev="600000"/>
-                </a:lightRig>
-              </a:scene3d>
-              <a:sp3d prstMaterial="metal">
-                <a:bevelT w="38100" h="57150" prst="angle"/>
-              </a:sp3d>
+              <a:effectLst/>
             </p:spPr>
             <p:style>
               <a:lnRef idx="1">
@@ -9795,7 +9866,7 @@
             <p:spPr>
               <a:xfrm>
                 <a:off x="2615688" y="-23884"/>
-                <a:ext cx="2702257" cy="2081284"/>
+                <a:ext cx="3004619" cy="2081284"/>
               </a:xfrm>
               <a:prstGeom prst="rect">
                 <a:avLst/>
@@ -9803,24 +9874,7 @@
               <a:ln>
                 <a:noFill/>
               </a:ln>
-              <a:effectLst>
-                <a:outerShdw blurRad="57785" dist="33020" dir="3180000" algn="ctr">
-                  <a:srgbClr val="000000">
-                    <a:alpha val="30000"/>
-                  </a:srgbClr>
-                </a:outerShdw>
-              </a:effectLst>
-              <a:scene3d>
-                <a:camera prst="orthographicFront">
-                  <a:rot lat="0" lon="0" rev="0"/>
-                </a:camera>
-                <a:lightRig rig="brightRoom" dir="t">
-                  <a:rot lat="0" lon="0" rev="600000"/>
-                </a:lightRig>
-              </a:scene3d>
-              <a:sp3d prstMaterial="metal">
-                <a:bevelT w="38100" h="57150" prst="angle"/>
-              </a:sp3d>
+              <a:effectLst/>
             </p:spPr>
           </p:pic>
         </p:grpSp>
@@ -9862,29 +9916,25 @@
                 </a:spcAft>
               </a:pPr>
               <a:r>
-                <a:rPr lang="zh-CN" sz="1200" kern="100" dirty="0">
+                <a:rPr lang="en-US" kern="100" dirty="0" smtClean="0">
                   <a:effectLst/>
                   <a:latin typeface="Times New Roman"/>
                   <a:ea typeface="宋体"/>
                 </a:rPr>
-                <a:t>（</a:t>
+                <a:t>(a</a:t>
               </a:r>
               <a:r>
-                <a:rPr lang="en-US" sz="1200" kern="100" dirty="0">
-                  <a:effectLst/>
+                <a:rPr lang="en-US" kern="100" dirty="0">
                   <a:latin typeface="Times New Roman"/>
                   <a:ea typeface="宋体"/>
                 </a:rPr>
-                <a:t>a</a:t>
+                <a:t>)</a:t>
               </a:r>
-              <a:r>
-                <a:rPr lang="zh-CN" sz="1200" kern="100" dirty="0">
-                  <a:effectLst/>
-                  <a:latin typeface="Times New Roman"/>
-                  <a:ea typeface="宋体"/>
-                </a:rPr>
-                <a:t>）</a:t>
-              </a:r>
+              <a:endParaRPr lang="zh-CN" kern="100" dirty="0">
+                <a:effectLst/>
+                <a:latin typeface="Times New Roman"/>
+                <a:ea typeface="宋体"/>
+              </a:endParaRPr>
             </a:p>
           </p:txBody>
         </p:sp>
@@ -9896,7 +9946,7 @@
           </p:nvSpPr>
           <p:spPr>
             <a:xfrm>
-              <a:off x="2511188" y="0"/>
+              <a:off x="2840876" y="-9024"/>
               <a:ext cx="571500" cy="296545"/>
             </a:xfrm>
             <a:prstGeom prst="rect">
@@ -9926,29 +9976,17 @@
                 </a:spcAft>
               </a:pPr>
               <a:r>
-                <a:rPr lang="zh-CN" sz="1200" kern="100">
-                  <a:effectLst/>
+                <a:rPr lang="en-US" kern="100" dirty="0" smtClean="0">
                   <a:latin typeface="Times New Roman"/>
                   <a:ea typeface="宋体"/>
                 </a:rPr>
-                <a:t>（</a:t>
+                <a:t>(b)</a:t>
               </a:r>
-              <a:r>
-                <a:rPr lang="en-US" sz="1200" kern="100">
-                  <a:effectLst/>
-                  <a:latin typeface="Times New Roman"/>
-                  <a:ea typeface="宋体"/>
-                </a:rPr>
-                <a:t>b</a:t>
-              </a:r>
-              <a:r>
-                <a:rPr lang="zh-CN" sz="1200" kern="100">
-                  <a:effectLst/>
-                  <a:latin typeface="Times New Roman"/>
-                  <a:ea typeface="宋体"/>
-                </a:rPr>
-                <a:t>）</a:t>
-              </a:r>
+              <a:endParaRPr lang="zh-CN" kern="100" dirty="0">
+                <a:effectLst/>
+                <a:latin typeface="Times New Roman"/>
+                <a:ea typeface="宋体"/>
+              </a:endParaRPr>
             </a:p>
           </p:txBody>
         </p:sp>
@@ -9961,7 +9999,7 @@
         </p:nvSpPr>
         <p:spPr>
           <a:xfrm>
-            <a:off x="1115616" y="1521677"/>
+            <a:off x="1187624" y="1137150"/>
             <a:ext cx="3930243" cy="646331"/>
           </a:xfrm>
           <a:prstGeom prst="rect">
@@ -10226,7 +10264,7 @@
           <a:graphicData uri="http://schemas.openxmlformats.org/presentationml/2006/ole">
             <mc:AlternateContent xmlns:mc="http://schemas.openxmlformats.org/markup-compatibility/2006">
               <mc:Choice xmlns:v="urn:schemas-microsoft-com:vml" Requires="v">
-                <p:oleObj spid="_x0000_s2050" name="Equation" r:id="rId3" imgW="2463800" imgH="279400" progId="Equation.DSMT4">
+                <p:oleObj spid="_x0000_s2054" name="Equation" r:id="rId3" imgW="2463800" imgH="279400" progId="Equation.DSMT4">
                   <p:embed/>
                 </p:oleObj>
               </mc:Choice>
@@ -10383,7 +10421,7 @@
           <a:graphicData uri="http://schemas.openxmlformats.org/presentationml/2006/ole">
             <mc:AlternateContent xmlns:mc="http://schemas.openxmlformats.org/markup-compatibility/2006">
               <mc:Choice xmlns:v="urn:schemas-microsoft-com:vml" Requires="v">
-                <p:oleObj spid="_x0000_s2051" name="文档" r:id="rId5" imgW="5727222" imgH="2817814" progId="Word.Document.12">
+                <p:oleObj spid="_x0000_s2055" name="文档" r:id="rId5" imgW="5727222" imgH="2817814" progId="Word.Document.12">
                   <p:embed/>
                 </p:oleObj>
               </mc:Choice>
@@ -10914,12 +10952,12 @@
           <a:graphicData uri="http://schemas.openxmlformats.org/presentationml/2006/ole">
             <mc:AlternateContent xmlns:mc="http://schemas.openxmlformats.org/markup-compatibility/2006">
               <mc:Choice xmlns:v="urn:schemas-microsoft-com:vml" Requires="v">
-                <p:oleObj spid="_x0000_s3074" name="Equation" r:id="rId3" imgW="139680" imgH="152280" progId="Equation.DSMT4">
+                <p:oleObj spid="_x0000_s3078" name="Equation" r:id="rId4" imgW="139680" imgH="152280" progId="Equation.DSMT4">
                   <p:embed/>
                 </p:oleObj>
               </mc:Choice>
               <mc:Fallback>
-                <p:oleObj name="Equation" r:id="rId3" imgW="139680" imgH="152280" progId="Equation.DSMT4">
+                <p:oleObj name="Equation" r:id="rId4" imgW="139680" imgH="152280" progId="Equation.DSMT4">
                   <p:embed/>
                   <p:pic>
                     <p:nvPicPr>
@@ -10928,7 +10966,7 @@
                       <p:nvPr/>
                     </p:nvPicPr>
                     <p:blipFill>
-                      <a:blip r:embed="rId4"/>
+                      <a:blip r:embed="rId5"/>
                       <a:stretch>
                         <a:fillRect/>
                       </a:stretch>
@@ -11161,12 +11199,12 @@
           <a:graphicData uri="http://schemas.openxmlformats.org/presentationml/2006/ole">
             <mc:AlternateContent xmlns:mc="http://schemas.openxmlformats.org/markup-compatibility/2006">
               <mc:Choice xmlns:v="urn:schemas-microsoft-com:vml" Requires="v">
-                <p:oleObj spid="_x0000_s3075" name="Equation" r:id="rId5" imgW="139680" imgH="152280" progId="Equation.DSMT4">
+                <p:oleObj spid="_x0000_s3079" name="Equation" r:id="rId6" imgW="139680" imgH="152280" progId="Equation.DSMT4">
                   <p:embed/>
                 </p:oleObj>
               </mc:Choice>
               <mc:Fallback>
-                <p:oleObj name="Equation" r:id="rId5" imgW="139680" imgH="152280" progId="Equation.DSMT4">
+                <p:oleObj name="Equation" r:id="rId6" imgW="139680" imgH="152280" progId="Equation.DSMT4">
                   <p:embed/>
                   <p:pic>
                     <p:nvPicPr>
@@ -11177,7 +11215,7 @@
                       <p:nvPr/>
                     </p:nvPicPr>
                     <p:blipFill>
-                      <a:blip r:embed="rId6">
+                      <a:blip r:embed="rId7">
                         <a:extLst>
                           <a:ext uri="{28A0092B-C50C-407E-A947-70E740481C1C}">
                             <a14:useLocalDpi xmlns:a14="http://schemas.microsoft.com/office/drawing/2010/main" val="0"/>
@@ -11573,7 +11611,7 @@
             <p:nvPr/>
           </p:nvPicPr>
           <p:blipFill>
-            <a:blip r:embed="rId7" cstate="print">
+            <a:blip r:embed="rId8" cstate="print">
               <a:extLst>
                 <a:ext uri="{28A0092B-C50C-407E-A947-70E740481C1C}">
                   <a14:useLocalDpi xmlns:a14="http://schemas.microsoft.com/office/drawing/2010/main" val="0"/>
@@ -11655,7 +11693,7 @@
                 <p:nvPr/>
               </p:nvPicPr>
               <p:blipFill>
-                <a:blip r:embed="rId8" cstate="print">
+                <a:blip r:embed="rId9" cstate="print">
                   <a:extLst>
                     <a:ext uri="{28A0092B-C50C-407E-A947-70E740481C1C}">
                       <a14:useLocalDpi xmlns:a14="http://schemas.microsoft.com/office/drawing/2010/main" val="0"/>
@@ -11709,7 +11747,7 @@
                 <p:nvPr/>
               </p:nvPicPr>
               <p:blipFill>
-                <a:blip r:embed="rId9" cstate="print">
+                <a:blip r:embed="rId10" cstate="print">
                   <a:extLst>
                     <a:ext uri="{28A0092B-C50C-407E-A947-70E740481C1C}">
                       <a14:useLocalDpi xmlns:a14="http://schemas.microsoft.com/office/drawing/2010/main" val="0"/>
@@ -11763,7 +11801,7 @@
                 <p:nvPr/>
               </p:nvPicPr>
               <p:blipFill>
-                <a:blip r:embed="rId10" cstate="print">
+                <a:blip r:embed="rId11" cstate="print">
                   <a:extLst>
                     <a:ext uri="{28A0092B-C50C-407E-A947-70E740481C1C}">
                       <a14:useLocalDpi xmlns:a14="http://schemas.microsoft.com/office/drawing/2010/main" val="0"/>
@@ -11817,7 +11855,7 @@
                 <p:nvPr/>
               </p:nvPicPr>
               <p:blipFill>
-                <a:blip r:embed="rId11" cstate="print">
+                <a:blip r:embed="rId12" cstate="print">
                   <a:extLst>
                     <a:ext uri="{28A0092B-C50C-407E-A947-70E740481C1C}">
                       <a14:useLocalDpi xmlns:a14="http://schemas.microsoft.com/office/drawing/2010/main" val="0"/>
@@ -11871,7 +11909,7 @@
                 <p:nvPr/>
               </p:nvPicPr>
               <p:blipFill>
-                <a:blip r:embed="rId12" cstate="print">
+                <a:blip r:embed="rId13" cstate="print">
                   <a:extLst>
                     <a:ext uri="{28A0092B-C50C-407E-A947-70E740481C1C}">
                       <a14:useLocalDpi xmlns:a14="http://schemas.microsoft.com/office/drawing/2010/main" val="0"/>
@@ -12343,7 +12381,7 @@
           <a:p>
             <a:fld id="{0C913308-F349-4B6D-A68A-DD1791B4A57B}" type="slidenum">
               <a:rPr lang="zh-CN" altLang="en-US" smtClean="0"/>
-              <a:t>20</a:t>
+              <a:t>8</a:t>
             </a:fld>
             <a:endParaRPr lang="zh-CN" altLang="en-US" dirty="0"/>
           </a:p>
@@ -12758,7 +12796,7 @@
           <a:p>
             <a:fld id="{0C913308-F349-4B6D-A68A-DD1791B4A57B}" type="slidenum">
               <a:rPr lang="zh-CN" altLang="en-US" smtClean="0"/>
-              <a:t>21</a:t>
+              <a:t>9</a:t>
             </a:fld>
             <a:endParaRPr lang="zh-CN" altLang="en-US" dirty="0"/>
           </a:p>
